--- a/Защита проекта/Презентация.pptx
+++ b/Защита проекта/Презентация.pptx
@@ -160,10 +160,9 @@
           </a:lstStyle>
           <a:p>
             <a:r>
-              <a:rPr lang="ru-RU" smtClean="0"/>
+              <a:rPr lang="ru-RU"/>
               <a:t>Образец заголовка</a:t>
             </a:r>
-            <a:endParaRPr lang="ru-RU"/>
           </a:p>
         </p:txBody>
       </p:sp>
@@ -225,10 +224,9 @@
           </a:lstStyle>
           <a:p>
             <a:r>
-              <a:rPr lang="ru-RU" smtClean="0"/>
+              <a:rPr lang="ru-RU"/>
               <a:t>Образец подзаголовка</a:t>
             </a:r>
-            <a:endParaRPr lang="ru-RU"/>
           </a:p>
         </p:txBody>
       </p:sp>
@@ -343,10 +341,9 @@
           <a:lstStyle/>
           <a:p>
             <a:r>
-              <a:rPr lang="ru-RU" smtClean="0"/>
+              <a:rPr lang="ru-RU"/>
               <a:t>Образец заголовка</a:t>
             </a:r>
-            <a:endParaRPr lang="ru-RU"/>
           </a:p>
         </p:txBody>
       </p:sp>
@@ -367,38 +364,37 @@
           <a:p>
             <a:pPr lvl="0"/>
             <a:r>
-              <a:rPr lang="ru-RU" smtClean="0"/>
+              <a:rPr lang="ru-RU"/>
               <a:t>Образец текста</a:t>
             </a:r>
           </a:p>
           <a:p>
             <a:pPr lvl="1"/>
             <a:r>
-              <a:rPr lang="ru-RU" smtClean="0"/>
+              <a:rPr lang="ru-RU"/>
               <a:t>Второй уровень</a:t>
             </a:r>
           </a:p>
           <a:p>
             <a:pPr lvl="2"/>
             <a:r>
-              <a:rPr lang="ru-RU" smtClean="0"/>
+              <a:rPr lang="ru-RU"/>
               <a:t>Третий уровень</a:t>
             </a:r>
           </a:p>
           <a:p>
             <a:pPr lvl="3"/>
             <a:r>
-              <a:rPr lang="ru-RU" smtClean="0"/>
+              <a:rPr lang="ru-RU"/>
               <a:t>Четвертый уровень</a:t>
             </a:r>
           </a:p>
           <a:p>
             <a:pPr lvl="4"/>
             <a:r>
-              <a:rPr lang="ru-RU" smtClean="0"/>
+              <a:rPr lang="ru-RU"/>
               <a:t>Пятый уровень</a:t>
             </a:r>
-            <a:endParaRPr lang="ru-RU"/>
           </a:p>
         </p:txBody>
       </p:sp>
@@ -518,10 +514,9 @@
           <a:lstStyle/>
           <a:p>
             <a:r>
-              <a:rPr lang="ru-RU" smtClean="0"/>
+              <a:rPr lang="ru-RU"/>
               <a:t>Образец заголовка</a:t>
             </a:r>
-            <a:endParaRPr lang="ru-RU"/>
           </a:p>
         </p:txBody>
       </p:sp>
@@ -547,38 +542,37 @@
           <a:p>
             <a:pPr lvl="0"/>
             <a:r>
-              <a:rPr lang="ru-RU" smtClean="0"/>
+              <a:rPr lang="ru-RU"/>
               <a:t>Образец текста</a:t>
             </a:r>
           </a:p>
           <a:p>
             <a:pPr lvl="1"/>
             <a:r>
-              <a:rPr lang="ru-RU" smtClean="0"/>
+              <a:rPr lang="ru-RU"/>
               <a:t>Второй уровень</a:t>
             </a:r>
           </a:p>
           <a:p>
             <a:pPr lvl="2"/>
             <a:r>
-              <a:rPr lang="ru-RU" smtClean="0"/>
+              <a:rPr lang="ru-RU"/>
               <a:t>Третий уровень</a:t>
             </a:r>
           </a:p>
           <a:p>
             <a:pPr lvl="3"/>
             <a:r>
-              <a:rPr lang="ru-RU" smtClean="0"/>
+              <a:rPr lang="ru-RU"/>
               <a:t>Четвертый уровень</a:t>
             </a:r>
           </a:p>
           <a:p>
             <a:pPr lvl="4"/>
             <a:r>
-              <a:rPr lang="ru-RU" smtClean="0"/>
+              <a:rPr lang="ru-RU"/>
               <a:t>Пятый уровень</a:t>
             </a:r>
-            <a:endParaRPr lang="ru-RU"/>
           </a:p>
         </p:txBody>
       </p:sp>
@@ -693,10 +687,9 @@
           <a:lstStyle/>
           <a:p>
             <a:r>
-              <a:rPr lang="ru-RU" smtClean="0"/>
+              <a:rPr lang="ru-RU"/>
               <a:t>Образец заголовка</a:t>
             </a:r>
-            <a:endParaRPr lang="ru-RU"/>
           </a:p>
         </p:txBody>
       </p:sp>
@@ -717,38 +710,37 @@
           <a:p>
             <a:pPr lvl="0"/>
             <a:r>
-              <a:rPr lang="ru-RU" smtClean="0"/>
+              <a:rPr lang="ru-RU"/>
               <a:t>Образец текста</a:t>
             </a:r>
           </a:p>
           <a:p>
             <a:pPr lvl="1"/>
             <a:r>
-              <a:rPr lang="ru-RU" smtClean="0"/>
+              <a:rPr lang="ru-RU"/>
               <a:t>Второй уровень</a:t>
             </a:r>
           </a:p>
           <a:p>
             <a:pPr lvl="2"/>
             <a:r>
-              <a:rPr lang="ru-RU" smtClean="0"/>
+              <a:rPr lang="ru-RU"/>
               <a:t>Третий уровень</a:t>
             </a:r>
           </a:p>
           <a:p>
             <a:pPr lvl="3"/>
             <a:r>
-              <a:rPr lang="ru-RU" smtClean="0"/>
+              <a:rPr lang="ru-RU"/>
               <a:t>Четвертый уровень</a:t>
             </a:r>
           </a:p>
           <a:p>
             <a:pPr lvl="4"/>
             <a:r>
-              <a:rPr lang="ru-RU" smtClean="0"/>
+              <a:rPr lang="ru-RU"/>
               <a:t>Пятый уровень</a:t>
             </a:r>
-            <a:endParaRPr lang="ru-RU"/>
           </a:p>
         </p:txBody>
       </p:sp>
@@ -872,10 +864,9 @@
           </a:lstStyle>
           <a:p>
             <a:r>
-              <a:rPr lang="ru-RU" smtClean="0"/>
+              <a:rPr lang="ru-RU"/>
               <a:t>Образец заголовка</a:t>
             </a:r>
-            <a:endParaRPr lang="ru-RU"/>
           </a:p>
         </p:txBody>
       </p:sp>
@@ -992,7 +983,7 @@
           <a:p>
             <a:pPr lvl="0"/>
             <a:r>
-              <a:rPr lang="ru-RU" smtClean="0"/>
+              <a:rPr lang="ru-RU"/>
               <a:t>Образец текста</a:t>
             </a:r>
           </a:p>
@@ -1109,10 +1100,9 @@
           <a:lstStyle/>
           <a:p>
             <a:r>
-              <a:rPr lang="ru-RU" smtClean="0"/>
+              <a:rPr lang="ru-RU"/>
               <a:t>Образец заголовка</a:t>
             </a:r>
-            <a:endParaRPr lang="ru-RU"/>
           </a:p>
         </p:txBody>
       </p:sp>
@@ -1138,38 +1128,37 @@
           <a:p>
             <a:pPr lvl="0"/>
             <a:r>
-              <a:rPr lang="ru-RU" smtClean="0"/>
+              <a:rPr lang="ru-RU"/>
               <a:t>Образец текста</a:t>
             </a:r>
           </a:p>
           <a:p>
             <a:pPr lvl="1"/>
             <a:r>
-              <a:rPr lang="ru-RU" smtClean="0"/>
+              <a:rPr lang="ru-RU"/>
               <a:t>Второй уровень</a:t>
             </a:r>
           </a:p>
           <a:p>
             <a:pPr lvl="2"/>
             <a:r>
-              <a:rPr lang="ru-RU" smtClean="0"/>
+              <a:rPr lang="ru-RU"/>
               <a:t>Третий уровень</a:t>
             </a:r>
           </a:p>
           <a:p>
             <a:pPr lvl="3"/>
             <a:r>
-              <a:rPr lang="ru-RU" smtClean="0"/>
+              <a:rPr lang="ru-RU"/>
               <a:t>Четвертый уровень</a:t>
             </a:r>
           </a:p>
           <a:p>
             <a:pPr lvl="4"/>
             <a:r>
-              <a:rPr lang="ru-RU" smtClean="0"/>
+              <a:rPr lang="ru-RU"/>
               <a:t>Пятый уровень</a:t>
             </a:r>
-            <a:endParaRPr lang="ru-RU"/>
           </a:p>
         </p:txBody>
       </p:sp>
@@ -1195,38 +1184,37 @@
           <a:p>
             <a:pPr lvl="0"/>
             <a:r>
-              <a:rPr lang="ru-RU" smtClean="0"/>
+              <a:rPr lang="ru-RU"/>
               <a:t>Образец текста</a:t>
             </a:r>
           </a:p>
           <a:p>
             <a:pPr lvl="1"/>
             <a:r>
-              <a:rPr lang="ru-RU" smtClean="0"/>
+              <a:rPr lang="ru-RU"/>
               <a:t>Второй уровень</a:t>
             </a:r>
           </a:p>
           <a:p>
             <a:pPr lvl="2"/>
             <a:r>
-              <a:rPr lang="ru-RU" smtClean="0"/>
+              <a:rPr lang="ru-RU"/>
               <a:t>Третий уровень</a:t>
             </a:r>
           </a:p>
           <a:p>
             <a:pPr lvl="3"/>
             <a:r>
-              <a:rPr lang="ru-RU" smtClean="0"/>
+              <a:rPr lang="ru-RU"/>
               <a:t>Четвертый уровень</a:t>
             </a:r>
           </a:p>
           <a:p>
             <a:pPr lvl="4"/>
             <a:r>
-              <a:rPr lang="ru-RU" smtClean="0"/>
+              <a:rPr lang="ru-RU"/>
               <a:t>Пятый уровень</a:t>
             </a:r>
-            <a:endParaRPr lang="ru-RU"/>
           </a:p>
         </p:txBody>
       </p:sp>
@@ -1346,10 +1334,9 @@
           <a:lstStyle/>
           <a:p>
             <a:r>
-              <a:rPr lang="ru-RU" smtClean="0"/>
+              <a:rPr lang="ru-RU"/>
               <a:t>Образец заголовка</a:t>
             </a:r>
-            <a:endParaRPr lang="ru-RU"/>
           </a:p>
         </p:txBody>
       </p:sp>
@@ -1412,7 +1399,7 @@
           <a:p>
             <a:pPr lvl="0"/>
             <a:r>
-              <a:rPr lang="ru-RU" smtClean="0"/>
+              <a:rPr lang="ru-RU"/>
               <a:t>Образец текста</a:t>
             </a:r>
           </a:p>
@@ -1440,38 +1427,37 @@
           <a:p>
             <a:pPr lvl="0"/>
             <a:r>
-              <a:rPr lang="ru-RU" smtClean="0"/>
+              <a:rPr lang="ru-RU"/>
               <a:t>Образец текста</a:t>
             </a:r>
           </a:p>
           <a:p>
             <a:pPr lvl="1"/>
             <a:r>
-              <a:rPr lang="ru-RU" smtClean="0"/>
+              <a:rPr lang="ru-RU"/>
               <a:t>Второй уровень</a:t>
             </a:r>
           </a:p>
           <a:p>
             <a:pPr lvl="2"/>
             <a:r>
-              <a:rPr lang="ru-RU" smtClean="0"/>
+              <a:rPr lang="ru-RU"/>
               <a:t>Третий уровень</a:t>
             </a:r>
           </a:p>
           <a:p>
             <a:pPr lvl="3"/>
             <a:r>
-              <a:rPr lang="ru-RU" smtClean="0"/>
+              <a:rPr lang="ru-RU"/>
               <a:t>Четвертый уровень</a:t>
             </a:r>
           </a:p>
           <a:p>
             <a:pPr lvl="4"/>
             <a:r>
-              <a:rPr lang="ru-RU" smtClean="0"/>
+              <a:rPr lang="ru-RU"/>
               <a:t>Пятый уровень</a:t>
             </a:r>
-            <a:endParaRPr lang="ru-RU"/>
           </a:p>
         </p:txBody>
       </p:sp>
@@ -1534,7 +1520,7 @@
           <a:p>
             <a:pPr lvl="0"/>
             <a:r>
-              <a:rPr lang="ru-RU" smtClean="0"/>
+              <a:rPr lang="ru-RU"/>
               <a:t>Образец текста</a:t>
             </a:r>
           </a:p>
@@ -1562,38 +1548,37 @@
           <a:p>
             <a:pPr lvl="0"/>
             <a:r>
-              <a:rPr lang="ru-RU" smtClean="0"/>
+              <a:rPr lang="ru-RU"/>
               <a:t>Образец текста</a:t>
             </a:r>
           </a:p>
           <a:p>
             <a:pPr lvl="1"/>
             <a:r>
-              <a:rPr lang="ru-RU" smtClean="0"/>
+              <a:rPr lang="ru-RU"/>
               <a:t>Второй уровень</a:t>
             </a:r>
           </a:p>
           <a:p>
             <a:pPr lvl="2"/>
             <a:r>
-              <a:rPr lang="ru-RU" smtClean="0"/>
+              <a:rPr lang="ru-RU"/>
               <a:t>Третий уровень</a:t>
             </a:r>
           </a:p>
           <a:p>
             <a:pPr lvl="3"/>
             <a:r>
-              <a:rPr lang="ru-RU" smtClean="0"/>
+              <a:rPr lang="ru-RU"/>
               <a:t>Четвертый уровень</a:t>
             </a:r>
           </a:p>
           <a:p>
             <a:pPr lvl="4"/>
             <a:r>
-              <a:rPr lang="ru-RU" smtClean="0"/>
+              <a:rPr lang="ru-RU"/>
               <a:t>Пятый уровень</a:t>
             </a:r>
-            <a:endParaRPr lang="ru-RU"/>
           </a:p>
         </p:txBody>
       </p:sp>
@@ -1708,10 +1693,9 @@
           <a:lstStyle/>
           <a:p>
             <a:r>
-              <a:rPr lang="ru-RU" smtClean="0"/>
+              <a:rPr lang="ru-RU"/>
               <a:t>Образец заголовка</a:t>
             </a:r>
-            <a:endParaRPr lang="ru-RU"/>
           </a:p>
         </p:txBody>
       </p:sp>
@@ -1930,10 +1914,9 @@
           </a:lstStyle>
           <a:p>
             <a:r>
-              <a:rPr lang="ru-RU" smtClean="0"/>
+              <a:rPr lang="ru-RU"/>
               <a:t>Образец заголовка</a:t>
             </a:r>
-            <a:endParaRPr lang="ru-RU"/>
           </a:p>
         </p:txBody>
       </p:sp>
@@ -1987,38 +1970,37 @@
           <a:p>
             <a:pPr lvl="0"/>
             <a:r>
-              <a:rPr lang="ru-RU" smtClean="0"/>
+              <a:rPr lang="ru-RU"/>
               <a:t>Образец текста</a:t>
             </a:r>
           </a:p>
           <a:p>
             <a:pPr lvl="1"/>
             <a:r>
-              <a:rPr lang="ru-RU" smtClean="0"/>
+              <a:rPr lang="ru-RU"/>
               <a:t>Второй уровень</a:t>
             </a:r>
           </a:p>
           <a:p>
             <a:pPr lvl="2"/>
             <a:r>
-              <a:rPr lang="ru-RU" smtClean="0"/>
+              <a:rPr lang="ru-RU"/>
               <a:t>Третий уровень</a:t>
             </a:r>
           </a:p>
           <a:p>
             <a:pPr lvl="3"/>
             <a:r>
-              <a:rPr lang="ru-RU" smtClean="0"/>
+              <a:rPr lang="ru-RU"/>
               <a:t>Четвертый уровень</a:t>
             </a:r>
           </a:p>
           <a:p>
             <a:pPr lvl="4"/>
             <a:r>
-              <a:rPr lang="ru-RU" smtClean="0"/>
+              <a:rPr lang="ru-RU"/>
               <a:t>Пятый уровень</a:t>
             </a:r>
-            <a:endParaRPr lang="ru-RU"/>
           </a:p>
         </p:txBody>
       </p:sp>
@@ -2081,7 +2063,7 @@
           <a:p>
             <a:pPr lvl="0"/>
             <a:r>
-              <a:rPr lang="ru-RU" smtClean="0"/>
+              <a:rPr lang="ru-RU"/>
               <a:t>Образец текста</a:t>
             </a:r>
           </a:p>
@@ -2207,10 +2189,9 @@
           </a:lstStyle>
           <a:p>
             <a:r>
-              <a:rPr lang="ru-RU" smtClean="0"/>
+              <a:rPr lang="ru-RU"/>
               <a:t>Образец заголовка</a:t>
             </a:r>
-            <a:endParaRPr lang="ru-RU"/>
           </a:p>
         </p:txBody>
       </p:sp>
@@ -2334,7 +2315,7 @@
           <a:p>
             <a:pPr lvl="0"/>
             <a:r>
-              <a:rPr lang="ru-RU" smtClean="0"/>
+              <a:rPr lang="ru-RU"/>
               <a:t>Образец текста</a:t>
             </a:r>
           </a:p>
@@ -2466,10 +2447,9 @@
           <a:lstStyle/>
           <a:p>
             <a:r>
-              <a:rPr lang="ru-RU" smtClean="0"/>
+              <a:rPr lang="ru-RU"/>
               <a:t>Образец заголовка</a:t>
             </a:r>
-            <a:endParaRPr lang="ru-RU"/>
           </a:p>
         </p:txBody>
       </p:sp>
@@ -2500,38 +2480,37 @@
           <a:p>
             <a:pPr lvl="0"/>
             <a:r>
-              <a:rPr lang="ru-RU" smtClean="0"/>
+              <a:rPr lang="ru-RU"/>
               <a:t>Образец текста</a:t>
             </a:r>
           </a:p>
           <a:p>
             <a:pPr lvl="1"/>
             <a:r>
-              <a:rPr lang="ru-RU" smtClean="0"/>
+              <a:rPr lang="ru-RU"/>
               <a:t>Второй уровень</a:t>
             </a:r>
           </a:p>
           <a:p>
             <a:pPr lvl="2"/>
             <a:r>
-              <a:rPr lang="ru-RU" smtClean="0"/>
+              <a:rPr lang="ru-RU"/>
               <a:t>Третий уровень</a:t>
             </a:r>
           </a:p>
           <a:p>
             <a:pPr lvl="3"/>
             <a:r>
-              <a:rPr lang="ru-RU" smtClean="0"/>
+              <a:rPr lang="ru-RU"/>
               <a:t>Четвертый уровень</a:t>
             </a:r>
           </a:p>
           <a:p>
             <a:pPr lvl="4"/>
             <a:r>
-              <a:rPr lang="ru-RU" smtClean="0"/>
+              <a:rPr lang="ru-RU"/>
               <a:t>Пятый уровень</a:t>
             </a:r>
-            <a:endParaRPr lang="ru-RU"/>
           </a:p>
         </p:txBody>
       </p:sp>
@@ -2993,30 +2972,26 @@
           <a:lstStyle/>
           <a:p>
             <a:r>
-              <a:rPr lang="en-US" sz="2800" dirty="0" smtClean="0"/>
+              <a:rPr lang="en-US" sz="2800" dirty="0"/>
               <a:t>Web </a:t>
             </a:r>
             <a:r>
               <a:rPr lang="ru-RU" sz="2800" dirty="0"/>
               <a:t>проект по теме</a:t>
-            </a:r>
-            <a:r>
-              <a:rPr lang="ru-RU" sz="2800" i="1" dirty="0"/>
-              <a:t/>
             </a:r>
             <a:br>
               <a:rPr lang="ru-RU" sz="2800" i="1" dirty="0"/>
             </a:br>
             <a:r>
-              <a:rPr lang="ru-RU" sz="2800" dirty="0" smtClean="0"/>
+              <a:rPr lang="ru-RU" sz="2800" dirty="0"/>
               <a:t>«Разработка </a:t>
             </a:r>
             <a:r>
-              <a:rPr lang="en-US" sz="2800" dirty="0" smtClean="0"/>
+              <a:rPr lang="en-US" sz="2800" dirty="0"/>
               <a:t>Web-</a:t>
             </a:r>
             <a:r>
-              <a:rPr lang="ru-RU" sz="2800" dirty="0" smtClean="0"/>
+              <a:rPr lang="ru-RU" sz="2800" dirty="0"/>
               <a:t>приложения»</a:t>
             </a:r>
             <a:endParaRPr lang="ru-RU" sz="2800" i="1" dirty="0"/>
@@ -3045,55 +3020,47 @@
           <a:p>
             <a:pPr algn="r"/>
             <a:r>
-              <a:rPr lang="ru-RU" sz="2000" dirty="0" smtClean="0"/>
+              <a:rPr lang="ru-RU" sz="2000" dirty="0"/>
               <a:t>Ученики</a:t>
             </a:r>
             <a:r>
-              <a:rPr lang="en-US" sz="2000" dirty="0" smtClean="0"/>
+              <a:rPr lang="en-US" sz="2000" dirty="0"/>
               <a:t>: </a:t>
             </a:r>
             <a:r>
-              <a:rPr lang="ru-RU" sz="2000" dirty="0" err="1" smtClean="0"/>
+              <a:rPr lang="ru-RU" sz="2000" dirty="0" err="1"/>
               <a:t>Дегтев</a:t>
             </a:r>
             <a:r>
-              <a:rPr lang="ru-RU" sz="2000" dirty="0" smtClean="0"/>
-              <a:t> </a:t>
-            </a:r>
-            <a:r>
               <a:rPr lang="ru-RU" sz="2000" dirty="0"/>
-              <a:t>М.А</a:t>
-            </a:r>
-            <a:r>
-              <a:rPr lang="ru-RU" sz="2000" dirty="0" smtClean="0"/>
-              <a:t>.</a:t>
+              <a:t> М.А.</a:t>
             </a:r>
             <a:br>
-              <a:rPr lang="ru-RU" sz="2000" dirty="0" smtClean="0"/>
+              <a:rPr lang="ru-RU" sz="2000" dirty="0"/>
             </a:br>
             <a:r>
-              <a:rPr lang="ru-RU" sz="2000" dirty="0" smtClean="0"/>
+              <a:rPr lang="ru-RU" sz="2000" dirty="0"/>
               <a:t>Пахомов С.</a:t>
             </a:r>
+            <a:r>
+              <a:rPr lang="en-US" sz="2000" dirty="0"/>
+              <a:t> A.</a:t>
+            </a:r>
             <a:endParaRPr lang="ru-RU" sz="2000" dirty="0"/>
           </a:p>
           <a:p>
             <a:pPr algn="r"/>
             <a:r>
-              <a:rPr lang="ru-RU" sz="2000" dirty="0" smtClean="0"/>
+              <a:rPr lang="ru-RU" sz="2000" dirty="0"/>
               <a:t>Методист</a:t>
             </a:r>
             <a:r>
-              <a:rPr lang="en-US" sz="2000" dirty="0" smtClean="0"/>
+              <a:rPr lang="en-US" sz="2000" dirty="0"/>
               <a:t>: </a:t>
             </a:r>
             <a:r>
-              <a:rPr lang="ru-RU" sz="2000" dirty="0" smtClean="0"/>
-              <a:t>Копытина </a:t>
-            </a:r>
-            <a:r>
               <a:rPr lang="ru-RU" sz="2000" dirty="0"/>
-              <a:t>Е.А.</a:t>
+              <a:t>Копытина Е.А.</a:t>
             </a:r>
           </a:p>
           <a:p>
@@ -3188,15 +3155,7 @@
             <a:pPr algn="ctr"/>
             <a:r>
               <a:rPr lang="ru-RU" dirty="0"/>
-              <a:t>Воронеж </a:t>
-            </a:r>
-            <a:r>
-              <a:rPr lang="ru-RU" dirty="0" smtClean="0"/>
-              <a:t>202</a:t>
-            </a:r>
-            <a:r>
-              <a:rPr lang="ru-RU" dirty="0"/>
-              <a:t>3</a:t>
+              <a:t>Воронеж 2023</a:t>
             </a:r>
           </a:p>
         </p:txBody>
@@ -3211,13 +3170,6 @@
   <p:clrMapOvr>
     <a:masterClrMapping/>
   </p:clrMapOvr>
-  <p:timing>
-    <p:tnLst>
-      <p:par>
-        <p:cTn id="1" dur="indefinite" restart="never" nodeType="tmRoot"/>
-      </p:par>
-    </p:tnLst>
-  </p:timing>
 </p:sld>
 </file>
 
@@ -3277,13 +3229,13 @@
           <a:p>
             <a:pPr lvl="0"/>
             <a:r>
-              <a:rPr lang="ru-RU" altLang="ru-RU" dirty="0" smtClean="0">
+              <a:rPr lang="ru-RU" altLang="ru-RU" dirty="0">
                 <a:latin typeface="Arial" panose="020B0604020202020204" pitchFamily="34" charset="0"/>
                 <a:ea typeface="Times New Roman" panose="02020603050405020304" pitchFamily="18" charset="0"/>
               </a:rPr>
               <a:t>Название проекта</a:t>
             </a:r>
-            <a:endParaRPr lang="en-US" altLang="ru-RU" dirty="0" smtClean="0">
+            <a:endParaRPr lang="en-US" altLang="ru-RU" dirty="0">
               <a:latin typeface="Arial" panose="020B0604020202020204" pitchFamily="34" charset="0"/>
               <a:ea typeface="Times New Roman" panose="02020603050405020304" pitchFamily="18" charset="0"/>
             </a:endParaRPr>
@@ -3291,13 +3243,13 @@
           <a:p>
             <a:pPr lvl="0"/>
             <a:r>
-              <a:rPr lang="ru-RU" altLang="ru-RU" dirty="0" smtClean="0">
+              <a:rPr lang="ru-RU" altLang="ru-RU" dirty="0">
                 <a:latin typeface="Arial" panose="020B0604020202020204" pitchFamily="34" charset="0"/>
                 <a:ea typeface="Times New Roman" panose="02020603050405020304" pitchFamily="18" charset="0"/>
               </a:rPr>
               <a:t>Авторы проекта</a:t>
             </a:r>
-            <a:endParaRPr kumimoji="0" lang="ru-RU" altLang="ru-RU" b="0" i="0" u="none" strike="noStrike" cap="none" normalizeH="0" baseline="0" dirty="0" smtClean="0">
+            <a:endParaRPr kumimoji="0" lang="ru-RU" altLang="ru-RU" b="0" i="0" u="none" strike="noStrike" cap="none" normalizeH="0" baseline="0" dirty="0">
               <a:ln>
                 <a:noFill/>
               </a:ln>
@@ -3311,13 +3263,13 @@
           <a:p>
             <a:pPr lvl="0"/>
             <a:r>
-              <a:rPr lang="ru-RU" altLang="ru-RU" dirty="0" smtClean="0">
+              <a:rPr lang="ru-RU" altLang="ru-RU" dirty="0">
                 <a:latin typeface="Arial" panose="020B0604020202020204" pitchFamily="34" charset="0"/>
                 <a:ea typeface="Times New Roman" panose="02020603050405020304" pitchFamily="18" charset="0"/>
               </a:rPr>
               <a:t>Описание идеи</a:t>
             </a:r>
-            <a:endParaRPr lang="en-US" altLang="ru-RU" dirty="0" smtClean="0">
+            <a:endParaRPr lang="en-US" altLang="ru-RU" dirty="0">
               <a:latin typeface="Arial" panose="020B0604020202020204" pitchFamily="34" charset="0"/>
               <a:ea typeface="Times New Roman" panose="02020603050405020304" pitchFamily="18" charset="0"/>
             </a:endParaRPr>
@@ -3325,7 +3277,7 @@
           <a:p>
             <a:pPr lvl="0"/>
             <a:r>
-              <a:rPr kumimoji="0" lang="ru-RU" altLang="ru-RU" b="0" i="0" u="none" strike="noStrike" cap="none" normalizeH="0" baseline="0" dirty="0" smtClean="0">
+              <a:rPr kumimoji="0" lang="ru-RU" altLang="ru-RU" b="0" i="0" u="none" strike="noStrike" cap="none" normalizeH="0" baseline="0" dirty="0">
                 <a:ln>
                   <a:noFill/>
                 </a:ln>
@@ -3341,16 +3293,12 @@
           <a:p>
             <a:pPr lvl="0"/>
             <a:r>
-              <a:rPr lang="ru-RU" altLang="ru-RU" dirty="0" smtClean="0">
+              <a:rPr lang="ru-RU" altLang="ru-RU" dirty="0">
                 <a:latin typeface="Arial" panose="020B0604020202020204" pitchFamily="34" charset="0"/>
                 <a:ea typeface="Times New Roman" panose="02020603050405020304" pitchFamily="18" charset="0"/>
               </a:rPr>
               <a:t>Видео</a:t>
             </a:r>
-            <a:endParaRPr lang="ru-RU" altLang="ru-RU" dirty="0">
-              <a:latin typeface="Arial" panose="020B0604020202020204" pitchFamily="34" charset="0"/>
-              <a:ea typeface="Times New Roman" panose="02020603050405020304" pitchFamily="18" charset="0"/>
-            </a:endParaRPr>
           </a:p>
         </p:txBody>
       </p:sp>
@@ -3364,13 +3312,6 @@
   <p:clrMapOvr>
     <a:masterClrMapping/>
   </p:clrMapOvr>
-  <p:timing>
-    <p:tnLst>
-      <p:par>
-        <p:cTn id="1" dur="indefinite" restart="never" nodeType="tmRoot"/>
-      </p:par>
-    </p:tnLst>
-  </p:timing>
 </p:sld>
 </file>
 
@@ -3409,11 +3350,7 @@
             <a:pPr lvl="0"/>
             <a:r>
               <a:rPr lang="ru-RU" b="1" dirty="0"/>
-              <a:t>Название </a:t>
-            </a:r>
-            <a:r>
-              <a:rPr lang="ru-RU" b="1" dirty="0" smtClean="0"/>
-              <a:t>проекта</a:t>
+              <a:t>Название проекта</a:t>
             </a:r>
             <a:endParaRPr lang="ru-RU" dirty="0"/>
           </a:p>
@@ -3469,46 +3406,33 @@
               <a:buNone/>
             </a:pPr>
             <a:r>
-              <a:rPr lang="ru-RU" dirty="0" smtClean="0"/>
+              <a:rPr lang="ru-RU" dirty="0"/>
               <a:t>Проект получил название </a:t>
             </a:r>
             <a:r>
-              <a:rPr lang="en-US" dirty="0" smtClean="0"/>
+              <a:rPr lang="en-US" dirty="0"/>
               <a:t>“</a:t>
             </a:r>
             <a:r>
               <a:rPr lang="ru-RU" dirty="0"/>
-              <a:t>Д</a:t>
-            </a:r>
-            <a:r>
-              <a:rPr lang="ru-RU" dirty="0" smtClean="0"/>
-              <a:t>невник </a:t>
+              <a:t>Дневник Погоды</a:t>
+            </a:r>
+            <a:r>
+              <a:rPr lang="en-US" dirty="0"/>
+              <a:t>”</a:t>
             </a:r>
             <a:r>
               <a:rPr lang="ru-RU" dirty="0"/>
-              <a:t>П</a:t>
-            </a:r>
-            <a:r>
-              <a:rPr lang="ru-RU" dirty="0" smtClean="0"/>
-              <a:t>огоды</a:t>
-            </a:r>
-            <a:r>
-              <a:rPr lang="en-US" dirty="0" smtClean="0"/>
-              <a:t>”</a:t>
-            </a:r>
-            <a:r>
-              <a:rPr lang="ru-RU" dirty="0" smtClean="0"/>
               <a:t> не случайно. Оно явно отображает его сущность</a:t>
             </a:r>
             <a:r>
-              <a:rPr lang="en-US" dirty="0" smtClean="0"/>
+              <a:rPr lang="en-US" dirty="0"/>
               <a:t>: </a:t>
             </a:r>
             <a:r>
-              <a:rPr lang="ru-RU" dirty="0" smtClean="0"/>
+              <a:rPr lang="ru-RU" dirty="0"/>
               <a:t>записи на различные даты, характеризующие погоду в те дни. Это очень напоминает дневник, только для погоды, отсюда и получилось название.</a:t>
             </a:r>
-            <a:endParaRPr lang="ru-RU" dirty="0"/>
           </a:p>
           <a:p>
             <a:pPr marL="0" indent="0">
@@ -3552,13 +3476,6 @@
   <p:clrMapOvr>
     <a:masterClrMapping/>
   </p:clrMapOvr>
-  <p:timing>
-    <p:tnLst>
-      <p:par>
-        <p:cTn id="1" dur="indefinite" restart="never" nodeType="tmRoot"/>
-      </p:par>
-    </p:tnLst>
-  </p:timing>
 </p:sld>
 </file>
 
@@ -3597,11 +3514,7 @@
             <a:pPr lvl="0"/>
             <a:r>
               <a:rPr lang="ru-RU" b="1" dirty="0"/>
-              <a:t>Авторы </a:t>
-            </a:r>
-            <a:r>
-              <a:rPr lang="ru-RU" b="1" dirty="0" smtClean="0"/>
-              <a:t>проекта</a:t>
+              <a:t>Авторы проекта</a:t>
             </a:r>
             <a:endParaRPr lang="ru-RU" dirty="0"/>
           </a:p>
@@ -3626,40 +3539,24 @@
               <a:buNone/>
             </a:pPr>
             <a:r>
-              <a:rPr lang="ru-RU" dirty="0" smtClean="0"/>
-              <a:t>Авторами </a:t>
-            </a:r>
-            <a:r>
               <a:rPr lang="ru-RU" dirty="0"/>
-              <a:t>проекта является </a:t>
+              <a:t>Авторами проекта является Дегтев Максим Алексеевич и Пахомов Семён</a:t>
+            </a:r>
+            <a:r>
+              <a:rPr lang="en-US" dirty="0"/>
+              <a:t> </a:t>
+            </a:r>
+            <a:r>
+              <a:rPr lang="ru-RU" dirty="0"/>
+              <a:t>Алексеевич, обучающиеся второго года обучения проекта </a:t>
             </a:r>
             <a:r>
               <a:rPr lang="ru-RU" dirty="0" err="1"/>
-              <a:t>Дегтев</a:t>
+              <a:t>Яндекс.Лицей</a:t>
             </a:r>
             <a:r>
               <a:rPr lang="ru-RU" dirty="0"/>
-              <a:t> Максим </a:t>
-            </a:r>
-            <a:r>
-              <a:rPr lang="ru-RU" dirty="0" smtClean="0"/>
-              <a:t>Алексеевич и Пахомов Семён, обучающиеся </a:t>
-            </a:r>
-            <a:r>
-              <a:rPr lang="ru-RU" dirty="0"/>
-              <a:t>второго года обучения проекта </a:t>
-            </a:r>
-            <a:r>
-              <a:rPr lang="ru-RU" dirty="0" err="1" smtClean="0"/>
-              <a:t>Яндекс.Лицей</a:t>
-            </a:r>
-            <a:r>
-              <a:rPr lang="ru-RU" dirty="0" smtClean="0"/>
-              <a:t>. </a:t>
-            </a:r>
-            <a:r>
-              <a:rPr lang="ru-RU" dirty="0"/>
-              <a:t>Имеется </a:t>
+              <a:t>. Имеется </a:t>
             </a:r>
             <a:r>
               <a:rPr lang="ru-RU" dirty="0" err="1"/>
@@ -3687,13 +3584,6 @@
   <p:clrMapOvr>
     <a:masterClrMapping/>
   </p:clrMapOvr>
-  <p:timing>
-    <p:tnLst>
-      <p:par>
-        <p:cTn id="1" dur="indefinite" restart="never" nodeType="tmRoot"/>
-      </p:par>
-    </p:tnLst>
-  </p:timing>
 </p:sld>
 </file>
 
@@ -3732,11 +3622,7 @@
             <a:pPr lvl="0"/>
             <a:r>
               <a:rPr lang="ru-RU" b="1" dirty="0"/>
-              <a:t>Описание </a:t>
-            </a:r>
-            <a:r>
-              <a:rPr lang="ru-RU" b="1" dirty="0" smtClean="0"/>
-              <a:t>идеи</a:t>
+              <a:t>Описание идеи</a:t>
             </a:r>
             <a:endParaRPr lang="ru-RU" dirty="0"/>
           </a:p>
@@ -3761,50 +3647,41 @@
               <a:buNone/>
             </a:pPr>
             <a:r>
-              <a:rPr lang="ru-RU" dirty="0" smtClean="0"/>
+              <a:rPr lang="ru-RU" dirty="0"/>
               <a:t>В начальной школе по предмету </a:t>
             </a:r>
             <a:r>
-              <a:rPr lang="en-US" dirty="0" smtClean="0"/>
+              <a:rPr lang="en-US" dirty="0"/>
               <a:t>“</a:t>
             </a:r>
             <a:r>
-              <a:rPr lang="ru-RU" dirty="0" smtClean="0"/>
+              <a:rPr lang="ru-RU" dirty="0"/>
               <a:t>окружающий мир</a:t>
             </a:r>
             <a:r>
-              <a:rPr lang="en-US" dirty="0" smtClean="0"/>
+              <a:rPr lang="en-US" dirty="0"/>
               <a:t>” </a:t>
             </a:r>
             <a:r>
-              <a:rPr lang="ru-RU" dirty="0" smtClean="0"/>
+              <a:rPr lang="ru-RU" dirty="0"/>
               <a:t>нас просили вести отдельную тетрадь и характеризовать погоду на каждый день недели. Однако это занятие было не очень занимательным и мне было проще посмотреть погоду на прошедшие дни в интернете, тем более что если вы пропустите день</a:t>
             </a:r>
             <a:r>
-              <a:rPr lang="en-US" dirty="0" smtClean="0"/>
+              <a:rPr lang="en-US" dirty="0"/>
               <a:t>? </a:t>
             </a:r>
             <a:r>
-              <a:rPr lang="ru-RU" dirty="0" smtClean="0"/>
+              <a:rPr lang="ru-RU" dirty="0"/>
               <a:t>Что если не знаете как определять скорость и направление ветра</a:t>
             </a:r>
             <a:r>
-              <a:rPr lang="en-US" dirty="0" smtClean="0"/>
+              <a:rPr lang="en-US" dirty="0"/>
               <a:t>? </a:t>
             </a:r>
             <a:r>
-              <a:rPr lang="ru-RU" dirty="0" smtClean="0"/>
-              <a:t>Таким образом к нам пришла идея сделать </a:t>
-            </a:r>
-            <a:r>
               <a:rPr lang="ru-RU" dirty="0"/>
-              <a:t>Д</a:t>
-            </a:r>
-            <a:r>
-              <a:rPr lang="ru-RU" dirty="0" smtClean="0"/>
-              <a:t>невник Погоды.</a:t>
-            </a:r>
-            <a:endParaRPr lang="ru-RU" dirty="0"/>
+              <a:t>Таким образом к нам пришла идея сделать Дневник Погоды.</a:t>
+            </a:r>
           </a:p>
         </p:txBody>
       </p:sp>
@@ -3818,13 +3695,6 @@
   <p:clrMapOvr>
     <a:masterClrMapping/>
   </p:clrMapOvr>
-  <p:timing>
-    <p:tnLst>
-      <p:par>
-        <p:cTn id="1" dur="indefinite" restart="never" nodeType="tmRoot"/>
-      </p:par>
-    </p:tnLst>
-  </p:timing>
 </p:sld>
 </file>
 
@@ -3861,10 +3731,9 @@
           <a:lstStyle/>
           <a:p>
             <a:r>
-              <a:rPr lang="ru-RU" b="1" dirty="0" smtClean="0"/>
+              <a:rPr lang="ru-RU" b="1" dirty="0"/>
               <a:t>Дизайн сайта</a:t>
             </a:r>
-            <a:endParaRPr lang="ru-RU" b="1" dirty="0"/>
           </a:p>
         </p:txBody>
       </p:sp>
@@ -3887,18 +3756,17 @@
               <a:buNone/>
             </a:pPr>
             <a:r>
-              <a:rPr lang="ru-RU" dirty="0" smtClean="0"/>
+              <a:rPr lang="ru-RU" dirty="0"/>
               <a:t>Сайт представляет собой лёгкий для навигации интерфейс, который позволяет войти или создать учётную запись и стать одним из репортёров погоды и помочь сайту получать новые данные о погоде</a:t>
             </a:r>
             <a:r>
-              <a:rPr lang="en-US" dirty="0" smtClean="0"/>
+              <a:rPr lang="en-US" dirty="0"/>
               <a:t>; </a:t>
             </a:r>
             <a:r>
-              <a:rPr lang="ru-RU" dirty="0" smtClean="0"/>
+              <a:rPr lang="ru-RU" dirty="0"/>
               <a:t>а также непосредственно просматривать записи за определённый срок (на сегодня, за неделю, за месяц, за год, за всё время).</a:t>
             </a:r>
-            <a:endParaRPr lang="ru-RU" dirty="0"/>
           </a:p>
         </p:txBody>
       </p:sp>
@@ -3912,13 +3780,6 @@
   <p:clrMapOvr>
     <a:masterClrMapping/>
   </p:clrMapOvr>
-  <p:timing>
-    <p:tnLst>
-      <p:par>
-        <p:cTn id="1" dur="indefinite" restart="never" nodeType="tmRoot"/>
-      </p:par>
-    </p:tnLst>
-  </p:timing>
 </p:sld>
 </file>
 
@@ -3961,10 +3822,9 @@
           <a:p>
             <a:pPr algn="ctr"/>
             <a:r>
-              <a:rPr lang="ru-RU" b="1" dirty="0" smtClean="0"/>
+              <a:rPr lang="ru-RU" b="1" dirty="0"/>
               <a:t>Спасибо за внимание</a:t>
             </a:r>
-            <a:endParaRPr lang="ru-RU" b="1" dirty="0"/>
           </a:p>
         </p:txBody>
       </p:sp>
@@ -3978,13 +3838,6 @@
   <p:clrMapOvr>
     <a:masterClrMapping/>
   </p:clrMapOvr>
-  <p:timing>
-    <p:tnLst>
-      <p:par>
-        <p:cTn id="1" dur="indefinite" restart="never" nodeType="tmRoot"/>
-      </p:par>
-    </p:tnLst>
-  </p:timing>
 </p:sld>
 </file>
 
